--- a/analysis/Cleopatra/manual_Cleopatra.pptx
+++ b/analysis/Cleopatra/manual_Cleopatra.pptx
@@ -12,6 +12,7 @@
     <p:sldId id="446" r:id="rId6"/>
     <p:sldId id="447" r:id="rId7"/>
     <p:sldId id="448" r:id="rId8"/>
+    <p:sldId id="263" r:id="rId9"/>
   </p:sldIdLst>
   <p:sldSz cx="12192000" cy="6858000"/>
   <p:notesSz cx="6858000" cy="9144000"/>
@@ -110,6 +111,11 @@
       </a:defRPr>
     </a:lvl9pPr>
   </p:defaultTextStyle>
+  <p:extLst>
+    <p:ext uri="{EFAFB233-063F-42B5-8137-9DF3F51BA10A}">
+      <p15:sldGuideLst xmlns:p15="http://schemas.microsoft.com/office/powerpoint/2012/main"/>
+    </p:ext>
+  </p:extLst>
 </p:presentation>
 </file>
 
@@ -260,7 +266,7 @@
           <a:p>
             <a:fld id="{D237D920-C94A-D642-91DD-1F5FBADA9230}" type="datetimeFigureOut">
               <a:rPr lang="en-US" smtClean="0"/>
-              <a:t>11/29/18</a:t>
+              <a:t>2/6/19</a:t>
             </a:fld>
             <a:endParaRPr lang="en-US"/>
           </a:p>
@@ -458,7 +464,7 @@
           <a:p>
             <a:fld id="{D237D920-C94A-D642-91DD-1F5FBADA9230}" type="datetimeFigureOut">
               <a:rPr lang="en-US" smtClean="0"/>
-              <a:t>11/29/18</a:t>
+              <a:t>2/6/19</a:t>
             </a:fld>
             <a:endParaRPr lang="en-US"/>
           </a:p>
@@ -666,7 +672,7 @@
           <a:p>
             <a:fld id="{D237D920-C94A-D642-91DD-1F5FBADA9230}" type="datetimeFigureOut">
               <a:rPr lang="en-US" smtClean="0"/>
-              <a:t>11/29/18</a:t>
+              <a:t>2/6/19</a:t>
             </a:fld>
             <a:endParaRPr lang="en-US"/>
           </a:p>
@@ -864,7 +870,7 @@
           <a:p>
             <a:fld id="{D237D920-C94A-D642-91DD-1F5FBADA9230}" type="datetimeFigureOut">
               <a:rPr lang="en-US" smtClean="0"/>
-              <a:t>11/29/18</a:t>
+              <a:t>2/6/19</a:t>
             </a:fld>
             <a:endParaRPr lang="en-US"/>
           </a:p>
@@ -1139,7 +1145,7 @@
           <a:p>
             <a:fld id="{D237D920-C94A-D642-91DD-1F5FBADA9230}" type="datetimeFigureOut">
               <a:rPr lang="en-US" smtClean="0"/>
-              <a:t>11/29/18</a:t>
+              <a:t>2/6/19</a:t>
             </a:fld>
             <a:endParaRPr lang="en-US"/>
           </a:p>
@@ -1404,7 +1410,7 @@
           <a:p>
             <a:fld id="{D237D920-C94A-D642-91DD-1F5FBADA9230}" type="datetimeFigureOut">
               <a:rPr lang="en-US" smtClean="0"/>
-              <a:t>11/29/18</a:t>
+              <a:t>2/6/19</a:t>
             </a:fld>
             <a:endParaRPr lang="en-US"/>
           </a:p>
@@ -1816,7 +1822,7 @@
           <a:p>
             <a:fld id="{D237D920-C94A-D642-91DD-1F5FBADA9230}" type="datetimeFigureOut">
               <a:rPr lang="en-US" smtClean="0"/>
-              <a:t>11/29/18</a:t>
+              <a:t>2/6/19</a:t>
             </a:fld>
             <a:endParaRPr lang="en-US"/>
           </a:p>
@@ -1957,7 +1963,7 @@
           <a:p>
             <a:fld id="{D237D920-C94A-D642-91DD-1F5FBADA9230}" type="datetimeFigureOut">
               <a:rPr lang="en-US" smtClean="0"/>
-              <a:t>11/29/18</a:t>
+              <a:t>2/6/19</a:t>
             </a:fld>
             <a:endParaRPr lang="en-US"/>
           </a:p>
@@ -2070,7 +2076,7 @@
           <a:p>
             <a:fld id="{D237D920-C94A-D642-91DD-1F5FBADA9230}" type="datetimeFigureOut">
               <a:rPr lang="en-US" smtClean="0"/>
-              <a:t>11/29/18</a:t>
+              <a:t>2/6/19</a:t>
             </a:fld>
             <a:endParaRPr lang="en-US"/>
           </a:p>
@@ -2381,7 +2387,7 @@
           <a:p>
             <a:fld id="{D237D920-C94A-D642-91DD-1F5FBADA9230}" type="datetimeFigureOut">
               <a:rPr lang="en-US" smtClean="0"/>
-              <a:t>11/29/18</a:t>
+              <a:t>2/6/19</a:t>
             </a:fld>
             <a:endParaRPr lang="en-US"/>
           </a:p>
@@ -2669,7 +2675,7 @@
           <a:p>
             <a:fld id="{D237D920-C94A-D642-91DD-1F5FBADA9230}" type="datetimeFigureOut">
               <a:rPr lang="en-US" smtClean="0"/>
-              <a:t>11/29/18</a:t>
+              <a:t>2/6/19</a:t>
             </a:fld>
             <a:endParaRPr lang="en-US"/>
           </a:p>
@@ -2910,7 +2916,7 @@
           <a:p>
             <a:fld id="{D237D920-C94A-D642-91DD-1F5FBADA9230}" type="datetimeFigureOut">
               <a:rPr lang="en-US" smtClean="0"/>
-              <a:t>11/29/18</a:t>
+              <a:t>2/6/19</a:t>
             </a:fld>
             <a:endParaRPr lang="en-US"/>
           </a:p>
@@ -3475,7 +3481,7 @@
         <p:spPr>
           <a:xfrm>
             <a:off x="838200" y="1690688"/>
-            <a:ext cx="9473119" cy="3139321"/>
+            <a:ext cx="9473119" cy="3416320"/>
           </a:xfrm>
           <a:prstGeom prst="rect">
             <a:avLst/>
@@ -3575,6 +3581,16 @@
             <a:r>
               <a:rPr lang="en-US" dirty="0"/>
               <a:t>Plot</a:t>
+            </a:r>
+          </a:p>
+          <a:p>
+            <a:pPr marL="342900" indent="-342900">
+              <a:buFont typeface="+mj-lt"/>
+              <a:buAutoNum type="arabicPeriod"/>
+            </a:pPr>
+            <a:r>
+              <a:rPr lang="en-US" dirty="0"/>
+              <a:t>Simulate Kinematics</a:t>
             </a:r>
           </a:p>
           <a:p>
@@ -3816,7 +3832,7 @@
         <p:spPr>
           <a:xfrm>
             <a:off x="6438975" y="1029223"/>
-            <a:ext cx="2726173" cy="4074585"/>
+            <a:ext cx="2726173" cy="4476566"/>
           </a:xfrm>
           <a:custGeom>
             <a:avLst/>
@@ -4406,7 +4422,7 @@
         </p:nvSpPr>
         <p:spPr>
           <a:xfrm>
-            <a:off x="5650060" y="5957764"/>
+            <a:off x="4046686" y="5744751"/>
             <a:ext cx="2007477" cy="369332"/>
           </a:xfrm>
           <a:prstGeom prst="rect">
@@ -4610,7 +4626,7 @@
         <p:spPr>
           <a:xfrm>
             <a:off x="4551183" y="4946335"/>
-            <a:ext cx="1907628" cy="931323"/>
+            <a:ext cx="629673" cy="716748"/>
           </a:xfrm>
           <a:prstGeom prst="straightConnector1">
             <a:avLst/>
@@ -4650,8 +4666,8 @@
         </p:nvCxnSpPr>
         <p:spPr>
           <a:xfrm flipH="1">
-            <a:off x="6616466" y="4462702"/>
-            <a:ext cx="1072055" cy="1414956"/>
+            <a:off x="5354280" y="4462702"/>
+            <a:ext cx="2334242" cy="1134614"/>
           </a:xfrm>
           <a:prstGeom prst="straightConnector1">
             <a:avLst/>
@@ -5347,8 +5363,8 @@
         </p:nvCxnSpPr>
         <p:spPr>
           <a:xfrm>
-            <a:off x="7918563" y="4525895"/>
-            <a:ext cx="1059933" cy="1302882"/>
+            <a:off x="8429132" y="4401966"/>
+            <a:ext cx="1523106" cy="761401"/>
           </a:xfrm>
           <a:prstGeom prst="straightConnector1">
             <a:avLst/>
@@ -5386,7 +5402,7 @@
         </p:nvSpPr>
         <p:spPr>
           <a:xfrm>
-            <a:off x="8161409" y="5906512"/>
+            <a:off x="9245158" y="5008290"/>
             <a:ext cx="2007477" cy="369332"/>
           </a:xfrm>
           <a:prstGeom prst="rect">
@@ -5422,7 +5438,7 @@
         </p:nvSpPr>
         <p:spPr>
           <a:xfrm>
-            <a:off x="9335197" y="5644111"/>
+            <a:off x="9828455" y="4695457"/>
             <a:ext cx="2211952" cy="369332"/>
           </a:xfrm>
           <a:prstGeom prst="rect">
@@ -5510,7 +5526,7 @@
         </p:nvSpPr>
         <p:spPr>
           <a:xfrm>
-            <a:off x="5180856" y="5779887"/>
+            <a:off x="3883356" y="5380523"/>
             <a:ext cx="1020344" cy="369332"/>
           </a:xfrm>
           <a:prstGeom prst="rect">
@@ -5577,6 +5593,121 @@
             <a:r>
               <a:rPr lang="en-US" dirty="0"/>
               <a:t>Output usage when in input argument.</a:t>
+            </a:r>
+          </a:p>
+        </p:txBody>
+      </p:sp>
+      <p:sp>
+        <p:nvSpPr>
+          <p:cNvPr id="44" name="TextBox 43">
+            <a:extLst>
+              <a:ext uri="{FF2B5EF4-FFF2-40B4-BE49-F238E27FC236}">
+                <a16:creationId xmlns:a16="http://schemas.microsoft.com/office/drawing/2014/main" id="{7A75314F-C764-5E4D-8F23-5C2598702EFF}"/>
+              </a:ext>
+            </a:extLst>
+          </p:cNvPr>
+          <p:cNvSpPr txBox="1"/>
+          <p:nvPr/>
+        </p:nvSpPr>
+        <p:spPr>
+          <a:xfrm>
+            <a:off x="6739779" y="4954422"/>
+            <a:ext cx="2638096" cy="369332"/>
+          </a:xfrm>
+          <a:prstGeom prst="rect">
+            <a:avLst/>
+          </a:prstGeom>
+          <a:noFill/>
+        </p:spPr>
+        <p:txBody>
+          <a:bodyPr wrap="square" rtlCol="0">
+            <a:spAutoFit/>
+          </a:bodyPr>
+          <a:lstStyle/>
+          <a:p>
+            <a:r>
+              <a:rPr lang="en-US" dirty="0"/>
+              <a:t>Kinematics Calculation</a:t>
+            </a:r>
+          </a:p>
+        </p:txBody>
+      </p:sp>
+      <p:cxnSp>
+        <p:nvCxnSpPr>
+          <p:cNvPr id="48" name="Straight Arrow Connector 47">
+            <a:extLst>
+              <a:ext uri="{FF2B5EF4-FFF2-40B4-BE49-F238E27FC236}">
+                <a16:creationId xmlns:a16="http://schemas.microsoft.com/office/drawing/2014/main" id="{21A1F3F7-D99A-2642-BC97-0851CD5DE97D}"/>
+              </a:ext>
+            </a:extLst>
+          </p:cNvPr>
+          <p:cNvCxnSpPr>
+            <a:cxnSpLocks/>
+          </p:cNvCxnSpPr>
+          <p:nvPr/>
+        </p:nvCxnSpPr>
+        <p:spPr>
+          <a:xfrm>
+            <a:off x="7911696" y="4477347"/>
+            <a:ext cx="0" cy="479704"/>
+          </a:xfrm>
+          <a:prstGeom prst="straightConnector1">
+            <a:avLst/>
+          </a:prstGeom>
+          <a:ln>
+            <a:tailEnd type="triangle"/>
+          </a:ln>
+        </p:spPr>
+        <p:style>
+          <a:lnRef idx="1">
+            <a:schemeClr val="accent1"/>
+          </a:lnRef>
+          <a:fillRef idx="0">
+            <a:schemeClr val="accent1"/>
+          </a:fillRef>
+          <a:effectRef idx="0">
+            <a:schemeClr val="accent1"/>
+          </a:effectRef>
+          <a:fontRef idx="minor">
+            <a:schemeClr val="tx1"/>
+          </a:fontRef>
+        </p:style>
+      </p:cxnSp>
+      <p:sp>
+        <p:nvSpPr>
+          <p:cNvPr id="50" name="TextBox 49">
+            <a:extLst>
+              <a:ext uri="{FF2B5EF4-FFF2-40B4-BE49-F238E27FC236}">
+                <a16:creationId xmlns:a16="http://schemas.microsoft.com/office/drawing/2014/main" id="{F7F3ACFD-B884-7442-A196-EC056258DB8C}"/>
+              </a:ext>
+            </a:extLst>
+          </p:cNvPr>
+          <p:cNvSpPr txBox="1"/>
+          <p:nvPr/>
+        </p:nvSpPr>
+        <p:spPr>
+          <a:xfrm>
+            <a:off x="7288302" y="5335883"/>
+            <a:ext cx="938398" cy="369332"/>
+          </a:xfrm>
+          <a:prstGeom prst="rect">
+            <a:avLst/>
+          </a:prstGeom>
+          <a:noFill/>
+        </p:spPr>
+        <p:txBody>
+          <a:bodyPr wrap="none" rtlCol="0">
+            <a:spAutoFit/>
+          </a:bodyPr>
+          <a:lstStyle/>
+          <a:p>
+            <a:r>
+              <a:rPr lang="en-US" dirty="0">
+                <a:solidFill>
+                  <a:srgbClr val="FF0000"/>
+                </a:solidFill>
+              </a:rPr>
+              <a:t>Transfer</a:t>
             </a:r>
           </a:p>
         </p:txBody>
@@ -5677,7 +5808,7 @@
           <a:p>
             <a:r>
               <a:rPr lang="en-US" dirty="0"/>
-              <a:t>To run step 1, 2, 3, 4</a:t>
+              <a:t>To run step 1, 2, 3, 4, 5</a:t>
             </a:r>
           </a:p>
         </p:txBody>
@@ -5697,7 +5828,7 @@
         <p:spPr>
           <a:xfrm>
             <a:off x="518809" y="1263161"/>
-            <a:ext cx="8878110" cy="1754326"/>
+            <a:ext cx="8878110" cy="2031325"/>
           </a:xfrm>
           <a:prstGeom prst="rect">
             <a:avLst/>
@@ -5718,8 +5849,97 @@
                 <a:latin typeface="Courier New" panose="02070309020205020404" pitchFamily="49" charset="0"/>
                 <a:cs typeface="Courier New" panose="02070309020205020404" pitchFamily="49" charset="0"/>
               </a:rPr>
-              <a:t>$./Cleopatra in-file X  X  X  X</a:t>
-            </a:r>
+              <a:t>$./Cleopatra in-file X  X  X  X  X  </a:t>
+            </a:r>
+            <a:r>
+              <a:rPr lang="en-US" dirty="0" err="1">
+                <a:solidFill>
+                  <a:srgbClr val="000000"/>
+                </a:solidFill>
+                <a:effectLst/>
+                <a:latin typeface="Courier New" panose="02070309020205020404" pitchFamily="49" charset="0"/>
+                <a:cs typeface="Courier New" panose="02070309020205020404" pitchFamily="49" charset="0"/>
+              </a:rPr>
+              <a:t>angMi</a:t>
+            </a:r>
+            <a:r>
+              <a:rPr lang="en-US" dirty="0" err="1">
+                <a:solidFill>
+                  <a:srgbClr val="000000"/>
+                </a:solidFill>
+                <a:latin typeface="Courier New" panose="02070309020205020404" pitchFamily="49" charset="0"/>
+                <a:cs typeface="Courier New" panose="02070309020205020404" pitchFamily="49" charset="0"/>
+              </a:rPr>
+              <a:t>n</a:t>
+            </a:r>
+            <a:r>
+              <a:rPr lang="en-US" dirty="0">
+                <a:solidFill>
+                  <a:srgbClr val="000000"/>
+                </a:solidFill>
+                <a:latin typeface="Courier New" panose="02070309020205020404" pitchFamily="49" charset="0"/>
+                <a:cs typeface="Courier New" panose="02070309020205020404" pitchFamily="49" charset="0"/>
+              </a:rPr>
+              <a:t> </a:t>
+            </a:r>
+            <a:r>
+              <a:rPr lang="en-US" dirty="0" err="1">
+                <a:solidFill>
+                  <a:srgbClr val="000000"/>
+                </a:solidFill>
+                <a:latin typeface="Courier New" panose="02070309020205020404" pitchFamily="49" charset="0"/>
+                <a:cs typeface="Courier New" panose="02070309020205020404" pitchFamily="49" charset="0"/>
+              </a:rPr>
+              <a:t>angMax</a:t>
+            </a:r>
+            <a:r>
+              <a:rPr lang="en-US" dirty="0">
+                <a:solidFill>
+                  <a:srgbClr val="000000"/>
+                </a:solidFill>
+                <a:latin typeface="Courier New" panose="02070309020205020404" pitchFamily="49" charset="0"/>
+                <a:cs typeface="Courier New" panose="02070309020205020404" pitchFamily="49" charset="0"/>
+              </a:rPr>
+              <a:t> </a:t>
+            </a:r>
+            <a:r>
+              <a:rPr lang="en-US" dirty="0" err="1">
+                <a:solidFill>
+                  <a:srgbClr val="000000"/>
+                </a:solidFill>
+                <a:latin typeface="Courier New" panose="02070309020205020404" pitchFamily="49" charset="0"/>
+                <a:cs typeface="Courier New" panose="02070309020205020404" pitchFamily="49" charset="0"/>
+              </a:rPr>
+              <a:t>angStep</a:t>
+            </a:r>
+            <a:endParaRPr lang="en-US" dirty="0">
+              <a:solidFill>
+                <a:srgbClr val="000000"/>
+              </a:solidFill>
+              <a:effectLst/>
+              <a:latin typeface="Courier New" panose="02070309020205020404" pitchFamily="49" charset="0"/>
+              <a:cs typeface="Courier New" panose="02070309020205020404" pitchFamily="49" charset="0"/>
+            </a:endParaRPr>
+          </a:p>
+          <a:p>
+            <a:r>
+              <a:rPr lang="en-US" dirty="0">
+                <a:solidFill>
+                  <a:srgbClr val="000000"/>
+                </a:solidFill>
+                <a:latin typeface="Courier New" panose="02070309020205020404" pitchFamily="49" charset="0"/>
+                <a:cs typeface="Courier New" panose="02070309020205020404" pitchFamily="49" charset="0"/>
+              </a:rPr>
+              <a:t>                     |  |  |  |  |</a:t>
+            </a:r>
+            <a:endParaRPr lang="en-US" dirty="0">
+              <a:solidFill>
+                <a:srgbClr val="000000"/>
+              </a:solidFill>
+              <a:effectLst/>
+              <a:latin typeface="Courier New" panose="02070309020205020404" pitchFamily="49" charset="0"/>
+              <a:cs typeface="Courier New" panose="02070309020205020404" pitchFamily="49" charset="0"/>
+            </a:endParaRPr>
           </a:p>
           <a:p>
             <a:r>
@@ -5731,7 +5951,7 @@
                 <a:latin typeface="Courier New" panose="02070309020205020404" pitchFamily="49" charset="0"/>
                 <a:cs typeface="Courier New" panose="02070309020205020404" pitchFamily="49" charset="0"/>
               </a:rPr>
-              <a:t>                     |  |  |  |</a:t>
+              <a:t>                     |  |  |  |  Kinematics? (1/0)</a:t>
             </a:r>
           </a:p>
           <a:p>
@@ -7213,6 +7433,1537 @@
     <p:extLst>
       <p:ext uri="{BB962C8B-B14F-4D97-AF65-F5344CB8AC3E}">
         <p14:creationId xmlns:p14="http://schemas.microsoft.com/office/powerpoint/2010/main" val="1288956377"/>
+      </p:ext>
+    </p:extLst>
+  </p:cSld>
+  <p:clrMapOvr>
+    <a:masterClrMapping/>
+  </p:clrMapOvr>
+</p:sld>
+</file>
+
+<file path=ppt/slides/slide8.xml><?xml version="1.0" encoding="utf-8"?>
+<p:sld xmlns:a="http://schemas.openxmlformats.org/drawingml/2006/main" xmlns:r="http://schemas.openxmlformats.org/officeDocument/2006/relationships" xmlns:p="http://schemas.openxmlformats.org/presentationml/2006/main">
+  <p:cSld>
+    <p:spTree>
+      <p:nvGrpSpPr>
+        <p:cNvPr id="1" name=""/>
+        <p:cNvGrpSpPr/>
+        <p:nvPr/>
+      </p:nvGrpSpPr>
+      <p:grpSpPr>
+        <a:xfrm>
+          <a:off x="0" y="0"/>
+          <a:ext cx="0" cy="0"/>
+          <a:chOff x="0" y="0"/>
+          <a:chExt cx="0" cy="0"/>
+        </a:xfrm>
+      </p:grpSpPr>
+      <p:sp>
+        <p:nvSpPr>
+          <p:cNvPr id="2" name="Title 1">
+            <a:extLst>
+              <a:ext uri="{FF2B5EF4-FFF2-40B4-BE49-F238E27FC236}">
+                <a16:creationId xmlns:a16="http://schemas.microsoft.com/office/drawing/2014/main" id="{99351F62-FF00-1B46-AFF2-293713DA4BD4}"/>
+              </a:ext>
+            </a:extLst>
+          </p:cNvPr>
+          <p:cNvSpPr>
+            <a:spLocks noGrp="1"/>
+          </p:cNvSpPr>
+          <p:nvPr>
+            <p:ph type="title"/>
+          </p:nvPr>
+        </p:nvSpPr>
+        <p:spPr>
+          <a:xfrm>
+            <a:off x="111167" y="114606"/>
+            <a:ext cx="2481197" cy="751888"/>
+          </a:xfrm>
+        </p:spPr>
+        <p:txBody>
+          <a:bodyPr/>
+          <a:lstStyle/>
+          <a:p>
+            <a:r>
+              <a:rPr lang="en-US" dirty="0"/>
+              <a:t>Cleopatra</a:t>
+            </a:r>
+          </a:p>
+        </p:txBody>
+      </p:sp>
+      <p:sp>
+        <p:nvSpPr>
+          <p:cNvPr id="4" name="Rectangle 3">
+            <a:extLst>
+              <a:ext uri="{FF2B5EF4-FFF2-40B4-BE49-F238E27FC236}">
+                <a16:creationId xmlns:a16="http://schemas.microsoft.com/office/drawing/2014/main" id="{BAB40AD4-8892-0944-A301-B4CA8CEA6E8B}"/>
+              </a:ext>
+            </a:extLst>
+          </p:cNvPr>
+          <p:cNvSpPr/>
+          <p:nvPr/>
+        </p:nvSpPr>
+        <p:spPr>
+          <a:xfrm>
+            <a:off x="3382027" y="1570272"/>
+            <a:ext cx="2004163" cy="751887"/>
+          </a:xfrm>
+          <a:prstGeom prst="rect">
+            <a:avLst/>
+          </a:prstGeom>
+        </p:spPr>
+        <p:style>
+          <a:lnRef idx="2">
+            <a:schemeClr val="accent1">
+              <a:shade val="50000"/>
+            </a:schemeClr>
+          </a:lnRef>
+          <a:fillRef idx="1">
+            <a:schemeClr val="accent1"/>
+          </a:fillRef>
+          <a:effectRef idx="0">
+            <a:schemeClr val="accent1"/>
+          </a:effectRef>
+          <a:fontRef idx="minor">
+            <a:schemeClr val="lt1"/>
+          </a:fontRef>
+        </p:style>
+        <p:txBody>
+          <a:bodyPr rtlCol="0" anchor="ctr"/>
+          <a:lstStyle/>
+          <a:p>
+            <a:pPr algn="ctr"/>
+            <a:r>
+              <a:rPr lang="en-US" dirty="0"/>
+              <a:t>Analysis/Cleopatra/</a:t>
+            </a:r>
+            <a:r>
+              <a:rPr lang="en-US" dirty="0" err="1"/>
+              <a:t>InFileCreator</a:t>
+            </a:r>
+            <a:endParaRPr lang="en-US" dirty="0"/>
+          </a:p>
+        </p:txBody>
+      </p:sp>
+      <p:sp>
+        <p:nvSpPr>
+          <p:cNvPr id="5" name="Snip and Round Single Corner Rectangle 4">
+            <a:extLst>
+              <a:ext uri="{FF2B5EF4-FFF2-40B4-BE49-F238E27FC236}">
+                <a16:creationId xmlns:a16="http://schemas.microsoft.com/office/drawing/2014/main" id="{2D394621-D73C-7144-8469-8AE9D6A6ACAD}"/>
+              </a:ext>
+            </a:extLst>
+          </p:cNvPr>
+          <p:cNvSpPr/>
+          <p:nvPr/>
+        </p:nvSpPr>
+        <p:spPr>
+          <a:xfrm>
+            <a:off x="3294345" y="302494"/>
+            <a:ext cx="2179528" cy="763702"/>
+          </a:xfrm>
+          <a:prstGeom prst="snipRoundRect">
+            <a:avLst>
+              <a:gd name="adj1" fmla="val 16667"/>
+              <a:gd name="adj2" fmla="val 50000"/>
+            </a:avLst>
+          </a:prstGeom>
+        </p:spPr>
+        <p:style>
+          <a:lnRef idx="2">
+            <a:schemeClr val="accent2">
+              <a:shade val="50000"/>
+            </a:schemeClr>
+          </a:lnRef>
+          <a:fillRef idx="1">
+            <a:schemeClr val="accent2"/>
+          </a:fillRef>
+          <a:effectRef idx="0">
+            <a:schemeClr val="accent2"/>
+          </a:effectRef>
+          <a:fontRef idx="minor">
+            <a:schemeClr val="lt1"/>
+          </a:fontRef>
+        </p:style>
+        <p:txBody>
+          <a:bodyPr rtlCol="0" anchor="ctr"/>
+          <a:lstStyle/>
+          <a:p>
+            <a:pPr algn="ctr"/>
+            <a:r>
+              <a:rPr lang="en-US" dirty="0"/>
+              <a:t>Analysis/working/example</a:t>
+            </a:r>
+          </a:p>
+        </p:txBody>
+      </p:sp>
+      <p:sp>
+        <p:nvSpPr>
+          <p:cNvPr id="6" name="Snip and Round Single Corner Rectangle 5">
+            <a:extLst>
+              <a:ext uri="{FF2B5EF4-FFF2-40B4-BE49-F238E27FC236}">
+                <a16:creationId xmlns:a16="http://schemas.microsoft.com/office/drawing/2014/main" id="{99E8605F-5362-464A-806E-BB4A99B6E24A}"/>
+              </a:ext>
+            </a:extLst>
+          </p:cNvPr>
+          <p:cNvSpPr/>
+          <p:nvPr/>
+        </p:nvSpPr>
+        <p:spPr>
+          <a:xfrm>
+            <a:off x="567849" y="1831444"/>
+            <a:ext cx="2179528" cy="763702"/>
+          </a:xfrm>
+          <a:prstGeom prst="snipRoundRect">
+            <a:avLst>
+              <a:gd name="adj1" fmla="val 16667"/>
+              <a:gd name="adj2" fmla="val 50000"/>
+            </a:avLst>
+          </a:prstGeom>
+        </p:spPr>
+        <p:style>
+          <a:lnRef idx="2">
+            <a:schemeClr val="accent6">
+              <a:shade val="50000"/>
+            </a:schemeClr>
+          </a:lnRef>
+          <a:fillRef idx="1">
+            <a:schemeClr val="accent6"/>
+          </a:fillRef>
+          <a:effectRef idx="0">
+            <a:schemeClr val="accent6"/>
+          </a:effectRef>
+          <a:fontRef idx="minor">
+            <a:schemeClr val="lt1"/>
+          </a:fontRef>
+        </p:style>
+        <p:txBody>
+          <a:bodyPr rtlCol="0" anchor="ctr"/>
+          <a:lstStyle/>
+          <a:p>
+            <a:pPr algn="ctr"/>
+            <a:r>
+              <a:rPr lang="en-US" dirty="0"/>
+              <a:t>Analysis/working/</a:t>
+            </a:r>
+            <a:r>
+              <a:rPr lang="en-US" dirty="0" err="1"/>
+              <a:t>example.in</a:t>
+            </a:r>
+            <a:endParaRPr lang="en-US" dirty="0"/>
+          </a:p>
+        </p:txBody>
+      </p:sp>
+      <p:cxnSp>
+        <p:nvCxnSpPr>
+          <p:cNvPr id="10" name="Straight Arrow Connector 9">
+            <a:extLst>
+              <a:ext uri="{FF2B5EF4-FFF2-40B4-BE49-F238E27FC236}">
+                <a16:creationId xmlns:a16="http://schemas.microsoft.com/office/drawing/2014/main" id="{BC602E7F-3EE4-1F4D-90D3-C19B6D2A3F83}"/>
+              </a:ext>
+            </a:extLst>
+          </p:cNvPr>
+          <p:cNvCxnSpPr>
+            <a:cxnSpLocks/>
+            <a:stCxn id="5" idx="1"/>
+            <a:endCxn id="4" idx="0"/>
+          </p:cNvCxnSpPr>
+          <p:nvPr/>
+        </p:nvCxnSpPr>
+        <p:spPr>
+          <a:xfrm>
+            <a:off x="4384109" y="1066196"/>
+            <a:ext cx="0" cy="504076"/>
+          </a:xfrm>
+          <a:prstGeom prst="straightConnector1">
+            <a:avLst/>
+          </a:prstGeom>
+          <a:ln w="38100">
+            <a:solidFill>
+              <a:srgbClr val="FFC000"/>
+            </a:solidFill>
+            <a:headEnd w="lg" len="lg"/>
+            <a:tailEnd type="triangle" w="lg" len="lg"/>
+          </a:ln>
+        </p:spPr>
+        <p:style>
+          <a:lnRef idx="1">
+            <a:schemeClr val="accent1"/>
+          </a:lnRef>
+          <a:fillRef idx="0">
+            <a:schemeClr val="accent1"/>
+          </a:fillRef>
+          <a:effectRef idx="0">
+            <a:schemeClr val="accent1"/>
+          </a:effectRef>
+          <a:fontRef idx="minor">
+            <a:schemeClr val="tx1"/>
+          </a:fontRef>
+        </p:style>
+      </p:cxnSp>
+      <p:sp>
+        <p:nvSpPr>
+          <p:cNvPr id="18" name="Rectangle 17">
+            <a:extLst>
+              <a:ext uri="{FF2B5EF4-FFF2-40B4-BE49-F238E27FC236}">
+                <a16:creationId xmlns:a16="http://schemas.microsoft.com/office/drawing/2014/main" id="{B6B455A3-066A-A54B-950E-D275B62D97F7}"/>
+              </a:ext>
+            </a:extLst>
+          </p:cNvPr>
+          <p:cNvSpPr/>
+          <p:nvPr/>
+        </p:nvSpPr>
+        <p:spPr>
+          <a:xfrm>
+            <a:off x="3382026" y="2984449"/>
+            <a:ext cx="2004163" cy="751887"/>
+          </a:xfrm>
+          <a:prstGeom prst="rect">
+            <a:avLst/>
+          </a:prstGeom>
+        </p:spPr>
+        <p:style>
+          <a:lnRef idx="2">
+            <a:schemeClr val="accent1">
+              <a:shade val="50000"/>
+            </a:schemeClr>
+          </a:lnRef>
+          <a:fillRef idx="1">
+            <a:schemeClr val="accent1"/>
+          </a:fillRef>
+          <a:effectRef idx="0">
+            <a:schemeClr val="accent1"/>
+          </a:effectRef>
+          <a:fontRef idx="minor">
+            <a:schemeClr val="lt1"/>
+          </a:fontRef>
+        </p:style>
+        <p:txBody>
+          <a:bodyPr rtlCol="0" anchor="ctr"/>
+          <a:lstStyle/>
+          <a:p>
+            <a:pPr algn="ctr"/>
+            <a:r>
+              <a:rPr lang="en-US" dirty="0"/>
+              <a:t>Analysis/working</a:t>
+            </a:r>
+            <a:br>
+              <a:rPr lang="en-US" dirty="0"/>
+            </a:br>
+            <a:r>
+              <a:rPr lang="en-US" dirty="0"/>
+              <a:t>/</a:t>
+            </a:r>
+            <a:r>
+              <a:rPr lang="en-US" dirty="0" err="1"/>
+              <a:t>ptolemy</a:t>
+            </a:r>
+            <a:endParaRPr lang="en-US" dirty="0"/>
+          </a:p>
+        </p:txBody>
+      </p:sp>
+      <p:cxnSp>
+        <p:nvCxnSpPr>
+          <p:cNvPr id="23" name="Curved Connector 22">
+            <a:extLst>
+              <a:ext uri="{FF2B5EF4-FFF2-40B4-BE49-F238E27FC236}">
+                <a16:creationId xmlns:a16="http://schemas.microsoft.com/office/drawing/2014/main" id="{F53F01EC-7DEF-9E42-AD94-59EC6228F9CB}"/>
+              </a:ext>
+            </a:extLst>
+          </p:cNvPr>
+          <p:cNvCxnSpPr>
+            <a:cxnSpLocks/>
+            <a:stCxn id="4" idx="1"/>
+            <a:endCxn id="6" idx="3"/>
+          </p:cNvCxnSpPr>
+          <p:nvPr/>
+        </p:nvCxnSpPr>
+        <p:spPr>
+          <a:xfrm rot="10800000">
+            <a:off x="1657613" y="1831444"/>
+            <a:ext cx="1724414" cy="114772"/>
+          </a:xfrm>
+          <a:prstGeom prst="curvedConnector4">
+            <a:avLst>
+              <a:gd name="adj1" fmla="val 18402"/>
+              <a:gd name="adj2" fmla="val 299177"/>
+            </a:avLst>
+          </a:prstGeom>
+          <a:ln w="38100">
+            <a:solidFill>
+              <a:srgbClr val="FFC000"/>
+            </a:solidFill>
+            <a:headEnd w="lg" len="lg"/>
+            <a:tailEnd type="triangle" w="lg" len="lg"/>
+          </a:ln>
+        </p:spPr>
+        <p:style>
+          <a:lnRef idx="1">
+            <a:schemeClr val="accent1"/>
+          </a:lnRef>
+          <a:fillRef idx="0">
+            <a:schemeClr val="accent1"/>
+          </a:fillRef>
+          <a:effectRef idx="0">
+            <a:schemeClr val="accent1"/>
+          </a:effectRef>
+          <a:fontRef idx="minor">
+            <a:schemeClr val="tx1"/>
+          </a:fontRef>
+        </p:style>
+      </p:cxnSp>
+      <p:cxnSp>
+        <p:nvCxnSpPr>
+          <p:cNvPr id="25" name="Curved Connector 24">
+            <a:extLst>
+              <a:ext uri="{FF2B5EF4-FFF2-40B4-BE49-F238E27FC236}">
+                <a16:creationId xmlns:a16="http://schemas.microsoft.com/office/drawing/2014/main" id="{5370063C-CBAB-DA42-9B00-4032A947A918}"/>
+              </a:ext>
+            </a:extLst>
+          </p:cNvPr>
+          <p:cNvCxnSpPr>
+            <a:stCxn id="6" idx="1"/>
+            <a:endCxn id="18" idx="0"/>
+          </p:cNvCxnSpPr>
+          <p:nvPr/>
+        </p:nvCxnSpPr>
+        <p:spPr>
+          <a:xfrm rot="16200000" flipH="1">
+            <a:off x="2826209" y="1426549"/>
+            <a:ext cx="389303" cy="2726495"/>
+          </a:xfrm>
+          <a:prstGeom prst="curvedConnector3">
+            <a:avLst/>
+          </a:prstGeom>
+          <a:ln w="38100">
+            <a:solidFill>
+              <a:srgbClr val="FFC000"/>
+            </a:solidFill>
+            <a:headEnd w="lg" len="lg"/>
+            <a:tailEnd type="triangle" w="lg" len="lg"/>
+          </a:ln>
+        </p:spPr>
+        <p:style>
+          <a:lnRef idx="1">
+            <a:schemeClr val="accent1"/>
+          </a:lnRef>
+          <a:fillRef idx="0">
+            <a:schemeClr val="accent1"/>
+          </a:fillRef>
+          <a:effectRef idx="0">
+            <a:schemeClr val="accent1"/>
+          </a:effectRef>
+          <a:fontRef idx="minor">
+            <a:schemeClr val="tx1"/>
+          </a:fontRef>
+        </p:style>
+      </p:cxnSp>
+      <p:sp>
+        <p:nvSpPr>
+          <p:cNvPr id="26" name="Snip and Round Single Corner Rectangle 25">
+            <a:extLst>
+              <a:ext uri="{FF2B5EF4-FFF2-40B4-BE49-F238E27FC236}">
+                <a16:creationId xmlns:a16="http://schemas.microsoft.com/office/drawing/2014/main" id="{3C4FA42F-119F-3D47-AFA0-9162206EB3EF}"/>
+              </a:ext>
+            </a:extLst>
+          </p:cNvPr>
+          <p:cNvSpPr/>
+          <p:nvPr/>
+        </p:nvSpPr>
+        <p:spPr>
+          <a:xfrm>
+            <a:off x="580367" y="3736336"/>
+            <a:ext cx="2179528" cy="763702"/>
+          </a:xfrm>
+          <a:prstGeom prst="snipRoundRect">
+            <a:avLst>
+              <a:gd name="adj1" fmla="val 16667"/>
+              <a:gd name="adj2" fmla="val 50000"/>
+            </a:avLst>
+          </a:prstGeom>
+        </p:spPr>
+        <p:style>
+          <a:lnRef idx="2">
+            <a:schemeClr val="accent6">
+              <a:shade val="50000"/>
+            </a:schemeClr>
+          </a:lnRef>
+          <a:fillRef idx="1">
+            <a:schemeClr val="accent6"/>
+          </a:fillRef>
+          <a:effectRef idx="0">
+            <a:schemeClr val="accent6"/>
+          </a:effectRef>
+          <a:fontRef idx="minor">
+            <a:schemeClr val="lt1"/>
+          </a:fontRef>
+        </p:style>
+        <p:txBody>
+          <a:bodyPr rtlCol="0" anchor="ctr"/>
+          <a:lstStyle/>
+          <a:p>
+            <a:pPr algn="ctr"/>
+            <a:r>
+              <a:rPr lang="en-US" dirty="0"/>
+              <a:t>Analysis/working/</a:t>
+            </a:r>
+            <a:r>
+              <a:rPr lang="en-US" dirty="0" err="1"/>
+              <a:t>example.out</a:t>
+            </a:r>
+            <a:endParaRPr lang="en-US" dirty="0"/>
+          </a:p>
+        </p:txBody>
+      </p:sp>
+      <p:sp>
+        <p:nvSpPr>
+          <p:cNvPr id="28" name="Rectangle 27">
+            <a:extLst>
+              <a:ext uri="{FF2B5EF4-FFF2-40B4-BE49-F238E27FC236}">
+                <a16:creationId xmlns:a16="http://schemas.microsoft.com/office/drawing/2014/main" id="{3CD43D1E-B795-0849-87EF-AD8E3157F13A}"/>
+              </a:ext>
+            </a:extLst>
+          </p:cNvPr>
+          <p:cNvSpPr/>
+          <p:nvPr/>
+        </p:nvSpPr>
+        <p:spPr>
+          <a:xfrm>
+            <a:off x="3382025" y="4366591"/>
+            <a:ext cx="2004163" cy="751887"/>
+          </a:xfrm>
+          <a:prstGeom prst="rect">
+            <a:avLst/>
+          </a:prstGeom>
+        </p:spPr>
+        <p:style>
+          <a:lnRef idx="2">
+            <a:schemeClr val="accent1">
+              <a:shade val="50000"/>
+            </a:schemeClr>
+          </a:lnRef>
+          <a:fillRef idx="1">
+            <a:schemeClr val="accent1"/>
+          </a:fillRef>
+          <a:effectRef idx="0">
+            <a:schemeClr val="accent1"/>
+          </a:effectRef>
+          <a:fontRef idx="minor">
+            <a:schemeClr val="lt1"/>
+          </a:fontRef>
+        </p:style>
+        <p:txBody>
+          <a:bodyPr rtlCol="0" anchor="ctr"/>
+          <a:lstStyle/>
+          <a:p>
+            <a:pPr algn="ctr"/>
+            <a:r>
+              <a:rPr lang="en-US" dirty="0"/>
+              <a:t>Analysis/Cleopatra</a:t>
+            </a:r>
+            <a:br>
+              <a:rPr lang="en-US" dirty="0"/>
+            </a:br>
+            <a:r>
+              <a:rPr lang="en-US" dirty="0"/>
+              <a:t>/</a:t>
+            </a:r>
+            <a:r>
+              <a:rPr lang="en-US" dirty="0" err="1"/>
+              <a:t>ExtractXsec</a:t>
+            </a:r>
+            <a:endParaRPr lang="en-US" dirty="0"/>
+          </a:p>
+        </p:txBody>
+      </p:sp>
+      <p:cxnSp>
+        <p:nvCxnSpPr>
+          <p:cNvPr id="29" name="Curved Connector 28">
+            <a:extLst>
+              <a:ext uri="{FF2B5EF4-FFF2-40B4-BE49-F238E27FC236}">
+                <a16:creationId xmlns:a16="http://schemas.microsoft.com/office/drawing/2014/main" id="{BEE92E7D-043B-4840-8750-2BA3CE7B5933}"/>
+              </a:ext>
+            </a:extLst>
+          </p:cNvPr>
+          <p:cNvCxnSpPr>
+            <a:cxnSpLocks/>
+            <a:stCxn id="18" idx="1"/>
+            <a:endCxn id="26" idx="3"/>
+          </p:cNvCxnSpPr>
+          <p:nvPr/>
+        </p:nvCxnSpPr>
+        <p:spPr>
+          <a:xfrm rot="10800000" flipV="1">
+            <a:off x="1670132" y="3360392"/>
+            <a:ext cx="1711895" cy="375943"/>
+          </a:xfrm>
+          <a:prstGeom prst="curvedConnector2">
+            <a:avLst/>
+          </a:prstGeom>
+          <a:ln w="38100">
+            <a:solidFill>
+              <a:srgbClr val="FFC000"/>
+            </a:solidFill>
+            <a:headEnd w="lg" len="lg"/>
+            <a:tailEnd type="triangle" w="lg" len="lg"/>
+          </a:ln>
+        </p:spPr>
+        <p:style>
+          <a:lnRef idx="1">
+            <a:schemeClr val="accent1"/>
+          </a:lnRef>
+          <a:fillRef idx="0">
+            <a:schemeClr val="accent1"/>
+          </a:fillRef>
+          <a:effectRef idx="0">
+            <a:schemeClr val="accent1"/>
+          </a:effectRef>
+          <a:fontRef idx="minor">
+            <a:schemeClr val="tx1"/>
+          </a:fontRef>
+        </p:style>
+      </p:cxnSp>
+      <p:cxnSp>
+        <p:nvCxnSpPr>
+          <p:cNvPr id="32" name="Curved Connector 31">
+            <a:extLst>
+              <a:ext uri="{FF2B5EF4-FFF2-40B4-BE49-F238E27FC236}">
+                <a16:creationId xmlns:a16="http://schemas.microsoft.com/office/drawing/2014/main" id="{6B90FD8E-3FAD-1841-9414-F1EB9EC2B96E}"/>
+              </a:ext>
+            </a:extLst>
+          </p:cNvPr>
+          <p:cNvCxnSpPr>
+            <a:cxnSpLocks/>
+            <a:stCxn id="26" idx="1"/>
+            <a:endCxn id="28" idx="0"/>
+          </p:cNvCxnSpPr>
+          <p:nvPr/>
+        </p:nvCxnSpPr>
+        <p:spPr>
+          <a:xfrm rot="5400000" flipH="1" flipV="1">
+            <a:off x="2960395" y="3076327"/>
+            <a:ext cx="133447" cy="2713976"/>
+          </a:xfrm>
+          <a:prstGeom prst="curvedConnector5">
+            <a:avLst>
+              <a:gd name="adj1" fmla="val -171304"/>
+              <a:gd name="adj2" fmla="val 51615"/>
+              <a:gd name="adj3" fmla="val 271304"/>
+            </a:avLst>
+          </a:prstGeom>
+          <a:ln w="38100">
+            <a:solidFill>
+              <a:srgbClr val="FFC000"/>
+            </a:solidFill>
+            <a:headEnd w="lg" len="lg"/>
+            <a:tailEnd type="triangle" w="lg" len="lg"/>
+          </a:ln>
+        </p:spPr>
+        <p:style>
+          <a:lnRef idx="1">
+            <a:schemeClr val="accent1"/>
+          </a:lnRef>
+          <a:fillRef idx="0">
+            <a:schemeClr val="accent1"/>
+          </a:fillRef>
+          <a:effectRef idx="0">
+            <a:schemeClr val="accent1"/>
+          </a:effectRef>
+          <a:fontRef idx="minor">
+            <a:schemeClr val="tx1"/>
+          </a:fontRef>
+        </p:style>
+      </p:cxnSp>
+      <p:sp>
+        <p:nvSpPr>
+          <p:cNvPr id="36" name="Rectangle 35">
+            <a:extLst>
+              <a:ext uri="{FF2B5EF4-FFF2-40B4-BE49-F238E27FC236}">
+                <a16:creationId xmlns:a16="http://schemas.microsoft.com/office/drawing/2014/main" id="{6BA09E31-B7FF-E347-ABCE-15CF29300B1A}"/>
+              </a:ext>
+            </a:extLst>
+          </p:cNvPr>
+          <p:cNvSpPr/>
+          <p:nvPr/>
+        </p:nvSpPr>
+        <p:spPr>
+          <a:xfrm>
+            <a:off x="9093893" y="4299297"/>
+            <a:ext cx="2004163" cy="751887"/>
+          </a:xfrm>
+          <a:prstGeom prst="rect">
+            <a:avLst/>
+          </a:prstGeom>
+        </p:spPr>
+        <p:style>
+          <a:lnRef idx="2">
+            <a:schemeClr val="accent1">
+              <a:shade val="50000"/>
+            </a:schemeClr>
+          </a:lnRef>
+          <a:fillRef idx="1">
+            <a:schemeClr val="accent1"/>
+          </a:fillRef>
+          <a:effectRef idx="0">
+            <a:schemeClr val="accent1"/>
+          </a:effectRef>
+          <a:fontRef idx="minor">
+            <a:schemeClr val="lt1"/>
+          </a:fontRef>
+        </p:style>
+        <p:txBody>
+          <a:bodyPr rtlCol="0" anchor="ctr"/>
+          <a:lstStyle/>
+          <a:p>
+            <a:pPr algn="ctr"/>
+            <a:r>
+              <a:rPr lang="en-US" dirty="0"/>
+              <a:t>Analysis/Cleopatra</a:t>
+            </a:r>
+            <a:br>
+              <a:rPr lang="en-US" dirty="0"/>
+            </a:br>
+            <a:r>
+              <a:rPr lang="en-US" dirty="0"/>
+              <a:t>/Transfer</a:t>
+            </a:r>
+          </a:p>
+        </p:txBody>
+      </p:sp>
+      <p:sp>
+        <p:nvSpPr>
+          <p:cNvPr id="37" name="Snip and Round Single Corner Rectangle 36">
+            <a:extLst>
+              <a:ext uri="{FF2B5EF4-FFF2-40B4-BE49-F238E27FC236}">
+                <a16:creationId xmlns:a16="http://schemas.microsoft.com/office/drawing/2014/main" id="{08FEFE6C-EB2B-A84C-B825-AFFA1F051AF5}"/>
+              </a:ext>
+            </a:extLst>
+          </p:cNvPr>
+          <p:cNvSpPr/>
+          <p:nvPr/>
+        </p:nvSpPr>
+        <p:spPr>
+          <a:xfrm>
+            <a:off x="6096000" y="3456191"/>
+            <a:ext cx="2179528" cy="763702"/>
+          </a:xfrm>
+          <a:prstGeom prst="snipRoundRect">
+            <a:avLst>
+              <a:gd name="adj1" fmla="val 16667"/>
+              <a:gd name="adj2" fmla="val 50000"/>
+            </a:avLst>
+          </a:prstGeom>
+        </p:spPr>
+        <p:style>
+          <a:lnRef idx="2">
+            <a:schemeClr val="accent6">
+              <a:shade val="50000"/>
+            </a:schemeClr>
+          </a:lnRef>
+          <a:fillRef idx="1">
+            <a:schemeClr val="accent6"/>
+          </a:fillRef>
+          <a:effectRef idx="0">
+            <a:schemeClr val="accent6"/>
+          </a:effectRef>
+          <a:fontRef idx="minor">
+            <a:schemeClr val="lt1"/>
+          </a:fontRef>
+        </p:style>
+        <p:txBody>
+          <a:bodyPr rtlCol="0" anchor="ctr"/>
+          <a:lstStyle/>
+          <a:p>
+            <a:pPr algn="ctr"/>
+            <a:r>
+              <a:rPr lang="en-US" dirty="0"/>
+              <a:t>Analysis/working/</a:t>
+            </a:r>
+            <a:r>
+              <a:rPr lang="en-US" dirty="0" err="1"/>
+              <a:t>example.Ex.txt</a:t>
+            </a:r>
+            <a:endParaRPr lang="en-US" dirty="0"/>
+          </a:p>
+        </p:txBody>
+      </p:sp>
+      <p:sp>
+        <p:nvSpPr>
+          <p:cNvPr id="38" name="Snip and Round Single Corner Rectangle 37">
+            <a:extLst>
+              <a:ext uri="{FF2B5EF4-FFF2-40B4-BE49-F238E27FC236}">
+                <a16:creationId xmlns:a16="http://schemas.microsoft.com/office/drawing/2014/main" id="{D926E440-C5B2-5946-85A1-796BE2F7B4B5}"/>
+              </a:ext>
+            </a:extLst>
+          </p:cNvPr>
+          <p:cNvSpPr/>
+          <p:nvPr/>
+        </p:nvSpPr>
+        <p:spPr>
+          <a:xfrm>
+            <a:off x="6008319" y="4977982"/>
+            <a:ext cx="2179528" cy="763702"/>
+          </a:xfrm>
+          <a:prstGeom prst="snipRoundRect">
+            <a:avLst>
+              <a:gd name="adj1" fmla="val 16667"/>
+              <a:gd name="adj2" fmla="val 50000"/>
+            </a:avLst>
+          </a:prstGeom>
+        </p:spPr>
+        <p:style>
+          <a:lnRef idx="2">
+            <a:schemeClr val="accent6">
+              <a:shade val="50000"/>
+            </a:schemeClr>
+          </a:lnRef>
+          <a:fillRef idx="1">
+            <a:schemeClr val="accent6"/>
+          </a:fillRef>
+          <a:effectRef idx="0">
+            <a:schemeClr val="accent6"/>
+          </a:effectRef>
+          <a:fontRef idx="minor">
+            <a:schemeClr val="lt1"/>
+          </a:fontRef>
+        </p:style>
+        <p:txBody>
+          <a:bodyPr rtlCol="0" anchor="ctr"/>
+          <a:lstStyle/>
+          <a:p>
+            <a:pPr algn="ctr"/>
+            <a:r>
+              <a:rPr lang="en-US" dirty="0"/>
+              <a:t>Analysis/working/</a:t>
+            </a:r>
+            <a:r>
+              <a:rPr lang="en-US" dirty="0" err="1"/>
+              <a:t>example.root</a:t>
+            </a:r>
+            <a:endParaRPr lang="en-US" dirty="0"/>
+          </a:p>
+        </p:txBody>
+      </p:sp>
+      <p:cxnSp>
+        <p:nvCxnSpPr>
+          <p:cNvPr id="60" name="Curved Connector 59">
+            <a:extLst>
+              <a:ext uri="{FF2B5EF4-FFF2-40B4-BE49-F238E27FC236}">
+                <a16:creationId xmlns:a16="http://schemas.microsoft.com/office/drawing/2014/main" id="{BE3D72D6-2852-FD4A-AE74-49D3E470F361}"/>
+              </a:ext>
+            </a:extLst>
+          </p:cNvPr>
+          <p:cNvCxnSpPr>
+            <a:stCxn id="28" idx="3"/>
+            <a:endCxn id="37" idx="2"/>
+          </p:cNvCxnSpPr>
+          <p:nvPr/>
+        </p:nvCxnSpPr>
+        <p:spPr>
+          <a:xfrm flipV="1">
+            <a:off x="5386188" y="3838042"/>
+            <a:ext cx="709812" cy="904493"/>
+          </a:xfrm>
+          <a:prstGeom prst="curvedConnector3">
+            <a:avLst/>
+          </a:prstGeom>
+          <a:ln w="38100">
+            <a:solidFill>
+              <a:srgbClr val="FFC000"/>
+            </a:solidFill>
+            <a:headEnd w="lg" len="lg"/>
+            <a:tailEnd type="triangle" w="lg" len="lg"/>
+          </a:ln>
+        </p:spPr>
+        <p:style>
+          <a:lnRef idx="1">
+            <a:schemeClr val="accent1"/>
+          </a:lnRef>
+          <a:fillRef idx="0">
+            <a:schemeClr val="accent1"/>
+          </a:fillRef>
+          <a:effectRef idx="0">
+            <a:schemeClr val="accent1"/>
+          </a:effectRef>
+          <a:fontRef idx="minor">
+            <a:schemeClr val="tx1"/>
+          </a:fontRef>
+        </p:style>
+      </p:cxnSp>
+      <p:cxnSp>
+        <p:nvCxnSpPr>
+          <p:cNvPr id="62" name="Curved Connector 61">
+            <a:extLst>
+              <a:ext uri="{FF2B5EF4-FFF2-40B4-BE49-F238E27FC236}">
+                <a16:creationId xmlns:a16="http://schemas.microsoft.com/office/drawing/2014/main" id="{6732D2F1-19D6-EE42-AA8B-0B77745836B2}"/>
+              </a:ext>
+            </a:extLst>
+          </p:cNvPr>
+          <p:cNvCxnSpPr>
+            <a:stCxn id="28" idx="3"/>
+            <a:endCxn id="38" idx="2"/>
+          </p:cNvCxnSpPr>
+          <p:nvPr/>
+        </p:nvCxnSpPr>
+        <p:spPr>
+          <a:xfrm>
+            <a:off x="5386188" y="4742535"/>
+            <a:ext cx="622131" cy="617298"/>
+          </a:xfrm>
+          <a:prstGeom prst="curvedConnector3">
+            <a:avLst/>
+          </a:prstGeom>
+          <a:ln w="38100">
+            <a:solidFill>
+              <a:srgbClr val="FFC000"/>
+            </a:solidFill>
+            <a:headEnd w="lg" len="lg"/>
+            <a:tailEnd type="triangle" w="lg" len="lg"/>
+          </a:ln>
+        </p:spPr>
+        <p:style>
+          <a:lnRef idx="1">
+            <a:schemeClr val="accent1"/>
+          </a:lnRef>
+          <a:fillRef idx="0">
+            <a:schemeClr val="accent1"/>
+          </a:fillRef>
+          <a:effectRef idx="0">
+            <a:schemeClr val="accent1"/>
+          </a:effectRef>
+          <a:fontRef idx="minor">
+            <a:schemeClr val="tx1"/>
+          </a:fontRef>
+        </p:style>
+      </p:cxnSp>
+      <p:sp>
+        <p:nvSpPr>
+          <p:cNvPr id="63" name="Snip and Round Single Corner Rectangle 62">
+            <a:extLst>
+              <a:ext uri="{FF2B5EF4-FFF2-40B4-BE49-F238E27FC236}">
+                <a16:creationId xmlns:a16="http://schemas.microsoft.com/office/drawing/2014/main" id="{880A7DF2-8984-C844-A963-9ACD48A1D03E}"/>
+              </a:ext>
+            </a:extLst>
+          </p:cNvPr>
+          <p:cNvSpPr/>
+          <p:nvPr/>
+        </p:nvSpPr>
+        <p:spPr>
+          <a:xfrm>
+            <a:off x="6914365" y="1719993"/>
+            <a:ext cx="2179528" cy="763702"/>
+          </a:xfrm>
+          <a:prstGeom prst="snipRoundRect">
+            <a:avLst>
+              <a:gd name="adj1" fmla="val 16667"/>
+              <a:gd name="adj2" fmla="val 50000"/>
+            </a:avLst>
+          </a:prstGeom>
+        </p:spPr>
+        <p:style>
+          <a:lnRef idx="2">
+            <a:schemeClr val="accent2">
+              <a:shade val="50000"/>
+            </a:schemeClr>
+          </a:lnRef>
+          <a:fillRef idx="1">
+            <a:schemeClr val="accent2"/>
+          </a:fillRef>
+          <a:effectRef idx="0">
+            <a:schemeClr val="accent2"/>
+          </a:effectRef>
+          <a:fontRef idx="minor">
+            <a:schemeClr val="lt1"/>
+          </a:fontRef>
+        </p:style>
+        <p:txBody>
+          <a:bodyPr rtlCol="0" anchor="ctr"/>
+          <a:lstStyle/>
+          <a:p>
+            <a:pPr algn="ctr"/>
+            <a:r>
+              <a:rPr lang="en-US" dirty="0"/>
+              <a:t>Analysis/working/</a:t>
+            </a:r>
+            <a:br>
+              <a:rPr lang="en-US" dirty="0"/>
+            </a:br>
+            <a:r>
+              <a:rPr lang="en-US" dirty="0" err="1"/>
+              <a:t>reactionConfig.txt</a:t>
+            </a:r>
+            <a:endParaRPr lang="en-US" dirty="0"/>
+          </a:p>
+        </p:txBody>
+      </p:sp>
+      <p:sp>
+        <p:nvSpPr>
+          <p:cNvPr id="64" name="Snip and Round Single Corner Rectangle 63">
+            <a:extLst>
+              <a:ext uri="{FF2B5EF4-FFF2-40B4-BE49-F238E27FC236}">
+                <a16:creationId xmlns:a16="http://schemas.microsoft.com/office/drawing/2014/main" id="{66A13D8B-0B98-7847-B02D-2CD98B7F0160}"/>
+              </a:ext>
+            </a:extLst>
+          </p:cNvPr>
+          <p:cNvSpPr/>
+          <p:nvPr/>
+        </p:nvSpPr>
+        <p:spPr>
+          <a:xfrm>
+            <a:off x="9726462" y="1719993"/>
+            <a:ext cx="2179528" cy="763702"/>
+          </a:xfrm>
+          <a:prstGeom prst="snipRoundRect">
+            <a:avLst>
+              <a:gd name="adj1" fmla="val 16667"/>
+              <a:gd name="adj2" fmla="val 50000"/>
+            </a:avLst>
+          </a:prstGeom>
+        </p:spPr>
+        <p:style>
+          <a:lnRef idx="2">
+            <a:schemeClr val="accent2">
+              <a:shade val="50000"/>
+            </a:schemeClr>
+          </a:lnRef>
+          <a:fillRef idx="1">
+            <a:schemeClr val="accent2"/>
+          </a:fillRef>
+          <a:effectRef idx="0">
+            <a:schemeClr val="accent2"/>
+          </a:effectRef>
+          <a:fontRef idx="minor">
+            <a:schemeClr val="lt1"/>
+          </a:fontRef>
+        </p:style>
+        <p:txBody>
+          <a:bodyPr rtlCol="0" anchor="ctr"/>
+          <a:lstStyle/>
+          <a:p>
+            <a:pPr algn="ctr"/>
+            <a:r>
+              <a:rPr lang="en-US" dirty="0"/>
+              <a:t>Analysis/working/</a:t>
+            </a:r>
+            <a:r>
+              <a:rPr lang="en-US" dirty="0" err="1"/>
+              <a:t>detectorGeo.txt</a:t>
+            </a:r>
+            <a:endParaRPr lang="en-US" dirty="0"/>
+          </a:p>
+        </p:txBody>
+      </p:sp>
+      <p:cxnSp>
+        <p:nvCxnSpPr>
+          <p:cNvPr id="66" name="Curved Connector 65">
+            <a:extLst>
+              <a:ext uri="{FF2B5EF4-FFF2-40B4-BE49-F238E27FC236}">
+                <a16:creationId xmlns:a16="http://schemas.microsoft.com/office/drawing/2014/main" id="{9924BDCE-EB4C-5F4F-9ED2-21E0E2B529F5}"/>
+              </a:ext>
+            </a:extLst>
+          </p:cNvPr>
+          <p:cNvCxnSpPr>
+            <a:stCxn id="63" idx="1"/>
+            <a:endCxn id="36" idx="0"/>
+          </p:cNvCxnSpPr>
+          <p:nvPr/>
+        </p:nvCxnSpPr>
+        <p:spPr>
+          <a:xfrm rot="16200000" flipH="1">
+            <a:off x="8142251" y="2345573"/>
+            <a:ext cx="1815602" cy="2091846"/>
+          </a:xfrm>
+          <a:prstGeom prst="curvedConnector3">
+            <a:avLst/>
+          </a:prstGeom>
+          <a:ln w="38100">
+            <a:solidFill>
+              <a:srgbClr val="FFC000"/>
+            </a:solidFill>
+            <a:headEnd w="lg" len="lg"/>
+            <a:tailEnd type="triangle" w="lg" len="lg"/>
+          </a:ln>
+        </p:spPr>
+        <p:style>
+          <a:lnRef idx="1">
+            <a:schemeClr val="accent1"/>
+          </a:lnRef>
+          <a:fillRef idx="0">
+            <a:schemeClr val="accent1"/>
+          </a:fillRef>
+          <a:effectRef idx="0">
+            <a:schemeClr val="accent1"/>
+          </a:effectRef>
+          <a:fontRef idx="minor">
+            <a:schemeClr val="tx1"/>
+          </a:fontRef>
+        </p:style>
+      </p:cxnSp>
+      <p:cxnSp>
+        <p:nvCxnSpPr>
+          <p:cNvPr id="68" name="Curved Connector 67">
+            <a:extLst>
+              <a:ext uri="{FF2B5EF4-FFF2-40B4-BE49-F238E27FC236}">
+                <a16:creationId xmlns:a16="http://schemas.microsoft.com/office/drawing/2014/main" id="{EDBB54F4-8C16-E24F-93AD-66D041A66B48}"/>
+              </a:ext>
+            </a:extLst>
+          </p:cNvPr>
+          <p:cNvCxnSpPr>
+            <a:stCxn id="64" idx="1"/>
+            <a:endCxn id="36" idx="0"/>
+          </p:cNvCxnSpPr>
+          <p:nvPr/>
+        </p:nvCxnSpPr>
+        <p:spPr>
+          <a:xfrm rot="5400000">
+            <a:off x="9548300" y="3031371"/>
+            <a:ext cx="1815602" cy="720251"/>
+          </a:xfrm>
+          <a:prstGeom prst="curvedConnector3">
+            <a:avLst/>
+          </a:prstGeom>
+          <a:ln w="38100">
+            <a:solidFill>
+              <a:srgbClr val="FFC000"/>
+            </a:solidFill>
+            <a:headEnd w="lg" len="lg"/>
+            <a:tailEnd type="triangle" w="lg" len="lg"/>
+          </a:ln>
+        </p:spPr>
+        <p:style>
+          <a:lnRef idx="1">
+            <a:schemeClr val="accent1"/>
+          </a:lnRef>
+          <a:fillRef idx="0">
+            <a:schemeClr val="accent1"/>
+          </a:fillRef>
+          <a:effectRef idx="0">
+            <a:schemeClr val="accent1"/>
+          </a:effectRef>
+          <a:fontRef idx="minor">
+            <a:schemeClr val="tx1"/>
+          </a:fontRef>
+        </p:style>
+      </p:cxnSp>
+      <p:cxnSp>
+        <p:nvCxnSpPr>
+          <p:cNvPr id="70" name="Curved Connector 69">
+            <a:extLst>
+              <a:ext uri="{FF2B5EF4-FFF2-40B4-BE49-F238E27FC236}">
+                <a16:creationId xmlns:a16="http://schemas.microsoft.com/office/drawing/2014/main" id="{F358E0A1-8A31-A140-9D3E-D3F59EB69375}"/>
+              </a:ext>
+            </a:extLst>
+          </p:cNvPr>
+          <p:cNvCxnSpPr>
+            <a:cxnSpLocks/>
+            <a:stCxn id="37" idx="0"/>
+            <a:endCxn id="36" idx="1"/>
+          </p:cNvCxnSpPr>
+          <p:nvPr/>
+        </p:nvCxnSpPr>
+        <p:spPr>
+          <a:xfrm>
+            <a:off x="8275528" y="3838042"/>
+            <a:ext cx="818365" cy="837199"/>
+          </a:xfrm>
+          <a:prstGeom prst="curvedConnector3">
+            <a:avLst>
+              <a:gd name="adj1" fmla="val 50000"/>
+            </a:avLst>
+          </a:prstGeom>
+          <a:ln w="38100">
+            <a:solidFill>
+              <a:srgbClr val="FFC000"/>
+            </a:solidFill>
+            <a:headEnd w="lg" len="lg"/>
+            <a:tailEnd type="triangle" w="lg" len="lg"/>
+          </a:ln>
+        </p:spPr>
+        <p:style>
+          <a:lnRef idx="1">
+            <a:schemeClr val="accent1"/>
+          </a:lnRef>
+          <a:fillRef idx="0">
+            <a:schemeClr val="accent1"/>
+          </a:fillRef>
+          <a:effectRef idx="0">
+            <a:schemeClr val="accent1"/>
+          </a:effectRef>
+          <a:fontRef idx="minor">
+            <a:schemeClr val="tx1"/>
+          </a:fontRef>
+        </p:style>
+      </p:cxnSp>
+      <p:cxnSp>
+        <p:nvCxnSpPr>
+          <p:cNvPr id="72" name="Curved Connector 71">
+            <a:extLst>
+              <a:ext uri="{FF2B5EF4-FFF2-40B4-BE49-F238E27FC236}">
+                <a16:creationId xmlns:a16="http://schemas.microsoft.com/office/drawing/2014/main" id="{8575787D-B36B-BA45-B781-E93C71DF7ABD}"/>
+              </a:ext>
+            </a:extLst>
+          </p:cNvPr>
+          <p:cNvCxnSpPr>
+            <a:cxnSpLocks/>
+            <a:stCxn id="38" idx="0"/>
+            <a:endCxn id="36" idx="1"/>
+          </p:cNvCxnSpPr>
+          <p:nvPr/>
+        </p:nvCxnSpPr>
+        <p:spPr>
+          <a:xfrm flipV="1">
+            <a:off x="8187847" y="4675241"/>
+            <a:ext cx="906046" cy="684592"/>
+          </a:xfrm>
+          <a:prstGeom prst="curvedConnector3">
+            <a:avLst>
+              <a:gd name="adj1" fmla="val 50000"/>
+            </a:avLst>
+          </a:prstGeom>
+          <a:ln w="38100">
+            <a:solidFill>
+              <a:srgbClr val="FFC000"/>
+            </a:solidFill>
+            <a:headEnd w="lg" len="lg"/>
+            <a:tailEnd type="triangle" w="lg" len="lg"/>
+          </a:ln>
+        </p:spPr>
+        <p:style>
+          <a:lnRef idx="1">
+            <a:schemeClr val="accent1"/>
+          </a:lnRef>
+          <a:fillRef idx="0">
+            <a:schemeClr val="accent1"/>
+          </a:fillRef>
+          <a:effectRef idx="0">
+            <a:schemeClr val="accent1"/>
+          </a:effectRef>
+          <a:fontRef idx="minor">
+            <a:schemeClr val="tx1"/>
+          </a:fontRef>
+        </p:style>
+      </p:cxnSp>
+      <p:sp>
+        <p:nvSpPr>
+          <p:cNvPr id="73" name="Snip and Round Single Corner Rectangle 72">
+            <a:extLst>
+              <a:ext uri="{FF2B5EF4-FFF2-40B4-BE49-F238E27FC236}">
+                <a16:creationId xmlns:a16="http://schemas.microsoft.com/office/drawing/2014/main" id="{AABDEB9D-B867-404E-AC35-DEB1315AFF1F}"/>
+              </a:ext>
+            </a:extLst>
+          </p:cNvPr>
+          <p:cNvSpPr/>
+          <p:nvPr/>
+        </p:nvSpPr>
+        <p:spPr>
+          <a:xfrm>
+            <a:off x="9366337" y="5741684"/>
+            <a:ext cx="2179528" cy="763702"/>
+          </a:xfrm>
+          <a:prstGeom prst="snipRoundRect">
+            <a:avLst>
+              <a:gd name="adj1" fmla="val 16667"/>
+              <a:gd name="adj2" fmla="val 50000"/>
+            </a:avLst>
+          </a:prstGeom>
+        </p:spPr>
+        <p:style>
+          <a:lnRef idx="2">
+            <a:schemeClr val="accent6">
+              <a:shade val="50000"/>
+            </a:schemeClr>
+          </a:lnRef>
+          <a:fillRef idx="1">
+            <a:schemeClr val="accent6"/>
+          </a:fillRef>
+          <a:effectRef idx="0">
+            <a:schemeClr val="accent6"/>
+          </a:effectRef>
+          <a:fontRef idx="minor">
+            <a:schemeClr val="lt1"/>
+          </a:fontRef>
+        </p:style>
+        <p:txBody>
+          <a:bodyPr rtlCol="0" anchor="ctr"/>
+          <a:lstStyle/>
+          <a:p>
+            <a:pPr algn="ctr"/>
+            <a:r>
+              <a:rPr lang="en-US" dirty="0"/>
+              <a:t>Analysis/working/</a:t>
+            </a:r>
+            <a:br>
+              <a:rPr lang="en-US" dirty="0"/>
+            </a:br>
+            <a:r>
+              <a:rPr lang="en-US" dirty="0" err="1"/>
+              <a:t>transfer.root</a:t>
+            </a:r>
+            <a:endParaRPr lang="en-US" dirty="0"/>
+          </a:p>
+        </p:txBody>
+      </p:sp>
+      <p:cxnSp>
+        <p:nvCxnSpPr>
+          <p:cNvPr id="74" name="Curved Connector 73">
+            <a:extLst>
+              <a:ext uri="{FF2B5EF4-FFF2-40B4-BE49-F238E27FC236}">
+                <a16:creationId xmlns:a16="http://schemas.microsoft.com/office/drawing/2014/main" id="{EDF4732F-5FAF-4A41-B03E-8F5693ECFB96}"/>
+              </a:ext>
+            </a:extLst>
+          </p:cNvPr>
+          <p:cNvCxnSpPr>
+            <a:cxnSpLocks/>
+            <a:stCxn id="36" idx="2"/>
+            <a:endCxn id="73" idx="3"/>
+          </p:cNvCxnSpPr>
+          <p:nvPr/>
+        </p:nvCxnSpPr>
+        <p:spPr>
+          <a:xfrm rot="16200000" flipH="1">
+            <a:off x="9930788" y="5216371"/>
+            <a:ext cx="690500" cy="360126"/>
+          </a:xfrm>
+          <a:prstGeom prst="curvedConnector3">
+            <a:avLst>
+              <a:gd name="adj1" fmla="val 50000"/>
+            </a:avLst>
+          </a:prstGeom>
+          <a:ln w="38100">
+            <a:solidFill>
+              <a:srgbClr val="FFC000"/>
+            </a:solidFill>
+            <a:headEnd w="lg" len="lg"/>
+            <a:tailEnd type="triangle" w="lg" len="lg"/>
+          </a:ln>
+        </p:spPr>
+        <p:style>
+          <a:lnRef idx="1">
+            <a:schemeClr val="accent1"/>
+          </a:lnRef>
+          <a:fillRef idx="0">
+            <a:schemeClr val="accent1"/>
+          </a:fillRef>
+          <a:effectRef idx="0">
+            <a:schemeClr val="accent1"/>
+          </a:effectRef>
+          <a:fontRef idx="minor">
+            <a:schemeClr val="tx1"/>
+          </a:fontRef>
+        </p:style>
+      </p:cxnSp>
+      <p:sp>
+        <p:nvSpPr>
+          <p:cNvPr id="79" name="Snip and Round Single Corner Rectangle 78">
+            <a:extLst>
+              <a:ext uri="{FF2B5EF4-FFF2-40B4-BE49-F238E27FC236}">
+                <a16:creationId xmlns:a16="http://schemas.microsoft.com/office/drawing/2014/main" id="{6AB47980-4668-7149-99AA-FF95EDFAD12C}"/>
+              </a:ext>
+            </a:extLst>
+          </p:cNvPr>
+          <p:cNvSpPr/>
+          <p:nvPr/>
+        </p:nvSpPr>
+        <p:spPr>
+          <a:xfrm>
+            <a:off x="10370500" y="229536"/>
+            <a:ext cx="1531311" cy="584591"/>
+          </a:xfrm>
+          <a:prstGeom prst="snipRoundRect">
+            <a:avLst>
+              <a:gd name="adj1" fmla="val 16667"/>
+              <a:gd name="adj2" fmla="val 50000"/>
+            </a:avLst>
+          </a:prstGeom>
+        </p:spPr>
+        <p:style>
+          <a:lnRef idx="2">
+            <a:schemeClr val="accent2">
+              <a:shade val="50000"/>
+            </a:schemeClr>
+          </a:lnRef>
+          <a:fillRef idx="1">
+            <a:schemeClr val="accent2"/>
+          </a:fillRef>
+          <a:effectRef idx="0">
+            <a:schemeClr val="accent2"/>
+          </a:effectRef>
+          <a:fontRef idx="minor">
+            <a:schemeClr val="lt1"/>
+          </a:fontRef>
+        </p:style>
+        <p:txBody>
+          <a:bodyPr rtlCol="0" anchor="ctr"/>
+          <a:lstStyle/>
+          <a:p>
+            <a:pPr algn="ctr"/>
+            <a:r>
+              <a:rPr lang="en-US" dirty="0"/>
+              <a:t>User Files</a:t>
+            </a:r>
+          </a:p>
+        </p:txBody>
+      </p:sp>
+      <p:sp>
+        <p:nvSpPr>
+          <p:cNvPr id="80" name="Snip and Round Single Corner Rectangle 79">
+            <a:extLst>
+              <a:ext uri="{FF2B5EF4-FFF2-40B4-BE49-F238E27FC236}">
+                <a16:creationId xmlns:a16="http://schemas.microsoft.com/office/drawing/2014/main" id="{EEBB0811-D4C8-3D45-BD14-F1B020167E2C}"/>
+              </a:ext>
+            </a:extLst>
+          </p:cNvPr>
+          <p:cNvSpPr/>
+          <p:nvPr/>
+        </p:nvSpPr>
+        <p:spPr>
+          <a:xfrm>
+            <a:off x="8275528" y="235738"/>
+            <a:ext cx="1849675" cy="578389"/>
+          </a:xfrm>
+          <a:prstGeom prst="snipRoundRect">
+            <a:avLst>
+              <a:gd name="adj1" fmla="val 16667"/>
+              <a:gd name="adj2" fmla="val 50000"/>
+            </a:avLst>
+          </a:prstGeom>
+        </p:spPr>
+        <p:style>
+          <a:lnRef idx="2">
+            <a:schemeClr val="accent6">
+              <a:shade val="50000"/>
+            </a:schemeClr>
+          </a:lnRef>
+          <a:fillRef idx="1">
+            <a:schemeClr val="accent6"/>
+          </a:fillRef>
+          <a:effectRef idx="0">
+            <a:schemeClr val="accent6"/>
+          </a:effectRef>
+          <a:fontRef idx="minor">
+            <a:schemeClr val="lt1"/>
+          </a:fontRef>
+        </p:style>
+        <p:txBody>
+          <a:bodyPr rtlCol="0" anchor="ctr"/>
+          <a:lstStyle/>
+          <a:p>
+            <a:pPr algn="ctr"/>
+            <a:r>
+              <a:rPr lang="en-US" dirty="0"/>
+              <a:t>Auto Generated Files</a:t>
+            </a:r>
+          </a:p>
+        </p:txBody>
+      </p:sp>
+      <p:sp>
+        <p:nvSpPr>
+          <p:cNvPr id="81" name="Rectangle 80">
+            <a:extLst>
+              <a:ext uri="{FF2B5EF4-FFF2-40B4-BE49-F238E27FC236}">
+                <a16:creationId xmlns:a16="http://schemas.microsoft.com/office/drawing/2014/main" id="{3C65A4CB-C54F-7E4B-B468-EF4C27199954}"/>
+              </a:ext>
+            </a:extLst>
+          </p:cNvPr>
+          <p:cNvSpPr/>
+          <p:nvPr/>
+        </p:nvSpPr>
+        <p:spPr>
+          <a:xfrm>
+            <a:off x="6613742" y="229536"/>
+            <a:ext cx="1302704" cy="584592"/>
+          </a:xfrm>
+          <a:prstGeom prst="rect">
+            <a:avLst/>
+          </a:prstGeom>
+        </p:spPr>
+        <p:style>
+          <a:lnRef idx="2">
+            <a:schemeClr val="accent1">
+              <a:shade val="50000"/>
+            </a:schemeClr>
+          </a:lnRef>
+          <a:fillRef idx="1">
+            <a:schemeClr val="accent1"/>
+          </a:fillRef>
+          <a:effectRef idx="0">
+            <a:schemeClr val="accent1"/>
+          </a:effectRef>
+          <a:fontRef idx="minor">
+            <a:schemeClr val="lt1"/>
+          </a:fontRef>
+        </p:style>
+        <p:txBody>
+          <a:bodyPr rtlCol="0" anchor="ctr"/>
+          <a:lstStyle/>
+          <a:p>
+            <a:pPr algn="ctr"/>
+            <a:r>
+              <a:rPr lang="en-US" dirty="0"/>
+              <a:t>Program</a:t>
+            </a:r>
+          </a:p>
+        </p:txBody>
+      </p:sp>
+      <p:sp>
+        <p:nvSpPr>
+          <p:cNvPr id="84" name="TextBox 83">
+            <a:extLst>
+              <a:ext uri="{FF2B5EF4-FFF2-40B4-BE49-F238E27FC236}">
+                <a16:creationId xmlns:a16="http://schemas.microsoft.com/office/drawing/2014/main" id="{4DBA5117-A9D9-7340-8273-7D822C91A004}"/>
+              </a:ext>
+            </a:extLst>
+          </p:cNvPr>
+          <p:cNvSpPr txBox="1"/>
+          <p:nvPr/>
+        </p:nvSpPr>
+        <p:spPr>
+          <a:xfrm>
+            <a:off x="939452" y="5741684"/>
+            <a:ext cx="2211696" cy="646331"/>
+          </a:xfrm>
+          <a:prstGeom prst="rect">
+            <a:avLst/>
+          </a:prstGeom>
+          <a:noFill/>
+        </p:spPr>
+        <p:txBody>
+          <a:bodyPr wrap="none" rtlCol="0">
+            <a:spAutoFit/>
+          </a:bodyPr>
+          <a:lstStyle/>
+          <a:p>
+            <a:r>
+              <a:rPr lang="en-US" dirty="0"/>
+              <a:t>To run:</a:t>
+            </a:r>
+          </a:p>
+          <a:p>
+            <a:r>
+              <a:rPr lang="en-US" dirty="0"/>
+              <a:t>w</a:t>
+            </a:r>
+            <a:r>
+              <a:rPr lang="en-US"/>
+              <a:t>orking</a:t>
+            </a:r>
+            <a:r>
+              <a:rPr lang="en-US" dirty="0"/>
+              <a:t>/</a:t>
+            </a:r>
+            <a:r>
+              <a:rPr lang="en-US" dirty="0" err="1"/>
+              <a:t>Cleopatra.sh</a:t>
+            </a:r>
+            <a:endParaRPr lang="en-US" dirty="0"/>
+          </a:p>
+        </p:txBody>
+      </p:sp>
+    </p:spTree>
+    <p:extLst>
+      <p:ext uri="{BB962C8B-B14F-4D97-AF65-F5344CB8AC3E}">
+        <p14:creationId xmlns:p14="http://schemas.microsoft.com/office/powerpoint/2010/main" val="921042005"/>
       </p:ext>
     </p:extLst>
   </p:cSld>
